--- a/devops-api-management/images/figures.pptx
+++ b/devops-api-management/images/figures.pptx
@@ -4493,8 +4493,8 @@
         </p:blipFill>
         <p:spPr>
           <a:xfrm>
-            <a:off x="5740414" y="1216816"/>
-            <a:ext cx="7024888" cy="4684105"/>
+            <a:off x="5740414" y="1216817"/>
+            <a:ext cx="6952129" cy="4635590"/>
           </a:xfrm>
           <a:prstGeom prst="rect">
             <a:avLst/>
@@ -4617,10 +4617,9 @@
               <a:t>ARM</a:t>
             </a:r>
             <a:r>
-              <a:rPr kumimoji="1" lang="ja-JP" altLang="en-US" sz="1400"/>
+              <a:rPr kumimoji="1" lang="ja-JP" altLang="en-US" sz="1400" dirty="0"/>
               <a:t> で見えるもの</a:t>
             </a:r>
-            <a:endParaRPr kumimoji="1" lang="ja-JP" altLang="en-US" sz="1400" dirty="0"/>
           </a:p>
         </p:txBody>
       </p:sp>
